--- a/ref/Объектно-ориентированное программирование.pptx
+++ b/ref/Объектно-ориентированное программирование.pptx
@@ -8,9 +8,9 @@
     <p:sldId id="256" r:id="rId2"/>
     <p:sldId id="257" r:id="rId3"/>
     <p:sldId id="258" r:id="rId4"/>
-    <p:sldId id="259" r:id="rId5"/>
-    <p:sldId id="260" r:id="rId6"/>
-    <p:sldId id="261" r:id="rId7"/>
+    <p:sldId id="261" r:id="rId5"/>
+    <p:sldId id="259" r:id="rId6"/>
+    <p:sldId id="260" r:id="rId7"/>
     <p:sldId id="262" r:id="rId8"/>
   </p:sldIdLst>
   <p:sldSz cx="12192000" cy="6858000"/>
@@ -110,6 +110,11 @@
       </a:defRPr>
     </a:lvl9pPr>
   </p:defaultTextStyle>
+  <p:extLst>
+    <p:ext uri="{EFAFB233-063F-42B5-8137-9DF3F51BA10A}">
+      <p15:sldGuideLst xmlns:p15="http://schemas.microsoft.com/office/powerpoint/2012/main"/>
+    </p:ext>
+  </p:extLst>
 </p:presentation>
 </file>
 
@@ -208,7 +213,7 @@
           <a:effectLst/>
           <a:extLst>
             <a:ext uri="{91240B29-F687-4f45-9708-019B960494DF}">
-              <a14:hiddenLine xmlns:a14="http://schemas.microsoft.com/office/drawing/2010/main" xmlns="" w="9525">
+              <a14:hiddenLine xmlns="" xmlns:a14="http://schemas.microsoft.com/office/drawing/2010/main" w="9525">
                 <a:solidFill>
                   <a:srgbClr val="000000"/>
                 </a:solidFill>
@@ -400,7 +405,7 @@
           <a:p>
             <a:fld id="{919FDF4E-6DA6-426D-96EE-45956E356BB5}" type="datetimeFigureOut">
               <a:rPr lang="ru-RU" smtClean="0"/>
-              <a:t>17.03.2024</a:t>
+              <a:t>30.03.2024</a:t>
             </a:fld>
             <a:endParaRPr lang="ru-RU"/>
           </a:p>
@@ -718,7 +723,7 @@
           <a:p>
             <a:fld id="{919FDF4E-6DA6-426D-96EE-45956E356BB5}" type="datetimeFigureOut">
               <a:rPr lang="ru-RU" smtClean="0"/>
-              <a:t>17.03.2024</a:t>
+              <a:t>30.03.2024</a:t>
             </a:fld>
             <a:endParaRPr lang="ru-RU"/>
           </a:p>
@@ -1206,7 +1211,7 @@
           <a:p>
             <a:fld id="{919FDF4E-6DA6-426D-96EE-45956E356BB5}" type="datetimeFigureOut">
               <a:rPr lang="ru-RU" smtClean="0"/>
-              <a:t>17.03.2024</a:t>
+              <a:t>30.03.2024</a:t>
             </a:fld>
             <a:endParaRPr lang="ru-RU"/>
           </a:p>
@@ -1575,7 +1580,7 @@
           <a:p>
             <a:fld id="{919FDF4E-6DA6-426D-96EE-45956E356BB5}" type="datetimeFigureOut">
               <a:rPr lang="ru-RU" smtClean="0"/>
-              <a:t>17.03.2024</a:t>
+              <a:t>30.03.2024</a:t>
             </a:fld>
             <a:endParaRPr lang="ru-RU"/>
           </a:p>
@@ -1730,7 +1735,7 @@
           <a:ln/>
           <a:extLst>
             <a:ext uri="{91240B29-F687-4f45-9708-019B960494DF}">
-              <a14:hiddenLine xmlns:a14="http://schemas.microsoft.com/office/drawing/2010/main" xmlns="" w="9525">
+              <a14:hiddenLine xmlns="" xmlns:a14="http://schemas.microsoft.com/office/drawing/2010/main" w="9525">
                 <a:solidFill>
                   <a:srgbClr val="000000"/>
                 </a:solidFill>
@@ -1848,7 +1853,7 @@
           <a:p>
             <a:fld id="{919FDF4E-6DA6-426D-96EE-45956E356BB5}" type="datetimeFigureOut">
               <a:rPr lang="ru-RU" smtClean="0"/>
-              <a:t>17.03.2024</a:t>
+              <a:t>30.03.2024</a:t>
             </a:fld>
             <a:endParaRPr lang="ru-RU"/>
           </a:p>
@@ -2005,7 +2010,7 @@
           <a:ln/>
           <a:extLst>
             <a:ext uri="{91240B29-F687-4f45-9708-019B960494DF}">
-              <a14:hiddenLine xmlns:a14="http://schemas.microsoft.com/office/drawing/2010/main" xmlns="" w="9525">
+              <a14:hiddenLine xmlns="" xmlns:a14="http://schemas.microsoft.com/office/drawing/2010/main" w="9525">
                 <a:solidFill>
                   <a:srgbClr val="000000"/>
                 </a:solidFill>
@@ -2133,7 +2138,7 @@
           <a:p>
             <a:fld id="{919FDF4E-6DA6-426D-96EE-45956E356BB5}" type="datetimeFigureOut">
               <a:rPr lang="ru-RU" smtClean="0"/>
-              <a:t>17.03.2024</a:t>
+              <a:t>30.03.2024</a:t>
             </a:fld>
             <a:endParaRPr lang="ru-RU"/>
           </a:p>
@@ -2288,7 +2293,7 @@
           <a:ln/>
           <a:extLst>
             <a:ext uri="{91240B29-F687-4f45-9708-019B960494DF}">
-              <a14:hiddenLine xmlns:a14="http://schemas.microsoft.com/office/drawing/2010/main" xmlns="" w="9525">
+              <a14:hiddenLine xmlns="" xmlns:a14="http://schemas.microsoft.com/office/drawing/2010/main" w="9525">
                 <a:solidFill>
                   <a:srgbClr val="000000"/>
                 </a:solidFill>
@@ -2416,7 +2421,7 @@
           <a:p>
             <a:fld id="{919FDF4E-6DA6-426D-96EE-45956E356BB5}" type="datetimeFigureOut">
               <a:rPr lang="ru-RU" smtClean="0"/>
-              <a:t>17.03.2024</a:t>
+              <a:t>30.03.2024</a:t>
             </a:fld>
             <a:endParaRPr lang="ru-RU"/>
           </a:p>
@@ -2759,7 +2764,7 @@
           <a:p>
             <a:fld id="{919FDF4E-6DA6-426D-96EE-45956E356BB5}" type="datetimeFigureOut">
               <a:rPr lang="ru-RU" smtClean="0"/>
-              <a:t>17.03.2024</a:t>
+              <a:t>30.03.2024</a:t>
             </a:fld>
             <a:endParaRPr lang="ru-RU"/>
           </a:p>
@@ -2914,7 +2919,7 @@
           <a:ln/>
           <a:extLst>
             <a:ext uri="{91240B29-F687-4f45-9708-019B960494DF}">
-              <a14:hiddenLine xmlns:a14="http://schemas.microsoft.com/office/drawing/2010/main" xmlns="" w="9525">
+              <a14:hiddenLine xmlns="" xmlns:a14="http://schemas.microsoft.com/office/drawing/2010/main" w="9525">
                 <a:solidFill>
                   <a:srgbClr val="000000"/>
                 </a:solidFill>
@@ -3098,7 +3103,7 @@
           <a:p>
             <a:fld id="{919FDF4E-6DA6-426D-96EE-45956E356BB5}" type="datetimeFigureOut">
               <a:rPr lang="ru-RU" smtClean="0"/>
-              <a:t>17.03.2024</a:t>
+              <a:t>30.03.2024</a:t>
             </a:fld>
             <a:endParaRPr lang="ru-RU"/>
           </a:p>
@@ -3258,7 +3263,7 @@
           <a:ln/>
           <a:extLst>
             <a:ext uri="{91240B29-F687-4f45-9708-019B960494DF}">
-              <a14:hiddenLine xmlns:a14="http://schemas.microsoft.com/office/drawing/2010/main" xmlns="" w="9525">
+              <a14:hiddenLine xmlns="" xmlns:a14="http://schemas.microsoft.com/office/drawing/2010/main" w="9525">
                 <a:solidFill>
                   <a:srgbClr val="000000"/>
                 </a:solidFill>
@@ -3580,7 +3585,7 @@
           <a:p>
             <a:fld id="{919FDF4E-6DA6-426D-96EE-45956E356BB5}" type="datetimeFigureOut">
               <a:rPr lang="ru-RU" smtClean="0"/>
-              <a:t>17.03.2024</a:t>
+              <a:t>30.03.2024</a:t>
             </a:fld>
             <a:endParaRPr lang="ru-RU"/>
           </a:p>
@@ -3740,7 +3745,7 @@
           <a:ln/>
           <a:extLst>
             <a:ext uri="{91240B29-F687-4f45-9708-019B960494DF}">
-              <a14:hiddenLine xmlns:a14="http://schemas.microsoft.com/office/drawing/2010/main" xmlns="" w="9525">
+              <a14:hiddenLine xmlns="" xmlns:a14="http://schemas.microsoft.com/office/drawing/2010/main" w="9525">
                 <a:solidFill>
                   <a:srgbClr val="000000"/>
                 </a:solidFill>
@@ -3806,7 +3811,7 @@
           <a:p>
             <a:fld id="{919FDF4E-6DA6-426D-96EE-45956E356BB5}" type="datetimeFigureOut">
               <a:rPr lang="ru-RU" smtClean="0"/>
-              <a:t>17.03.2024</a:t>
+              <a:t>30.03.2024</a:t>
             </a:fld>
             <a:endParaRPr lang="ru-RU"/>
           </a:p>
@@ -3901,7 +3906,7 @@
           <a:p>
             <a:fld id="{919FDF4E-6DA6-426D-96EE-45956E356BB5}" type="datetimeFigureOut">
               <a:rPr lang="ru-RU" smtClean="0"/>
-              <a:t>17.03.2024</a:t>
+              <a:t>30.03.2024</a:t>
             </a:fld>
             <a:endParaRPr lang="ru-RU"/>
           </a:p>
@@ -4169,7 +4174,7 @@
           <a:ln/>
           <a:extLst>
             <a:ext uri="{91240B29-F687-4f45-9708-019B960494DF}">
-              <a14:hiddenLine xmlns:a14="http://schemas.microsoft.com/office/drawing/2010/main" xmlns="" w="9525">
+              <a14:hiddenLine xmlns="" xmlns:a14="http://schemas.microsoft.com/office/drawing/2010/main" w="9525">
                 <a:solidFill>
                   <a:srgbClr val="000000"/>
                 </a:solidFill>
@@ -4368,7 +4373,7 @@
           <a:p>
             <a:fld id="{919FDF4E-6DA6-426D-96EE-45956E356BB5}" type="datetimeFigureOut">
               <a:rPr lang="ru-RU" smtClean="0"/>
-              <a:t>17.03.2024</a:t>
+              <a:t>30.03.2024</a:t>
             </a:fld>
             <a:endParaRPr lang="ru-RU"/>
           </a:p>
@@ -4686,7 +4691,7 @@
           <a:p>
             <a:fld id="{919FDF4E-6DA6-426D-96EE-45956E356BB5}" type="datetimeFigureOut">
               <a:rPr lang="ru-RU" smtClean="0"/>
-              <a:t>17.03.2024</a:t>
+              <a:t>30.03.2024</a:t>
             </a:fld>
             <a:endParaRPr lang="ru-RU"/>
           </a:p>
@@ -4956,7 +4961,7 @@
           <a:p>
             <a:fld id="{919FDF4E-6DA6-426D-96EE-45956E356BB5}" type="datetimeFigureOut">
               <a:rPr lang="ru-RU" smtClean="0"/>
-              <a:t>17.03.2024</a:t>
+              <a:t>30.03.2024</a:t>
             </a:fld>
             <a:endParaRPr lang="ru-RU"/>
           </a:p>
@@ -5928,13 +5933,28 @@
         </p:blipFill>
         <p:spPr bwMode="auto">
           <a:xfrm>
-            <a:off x="7703389" y="2222287"/>
+            <a:off x="7729268" y="2222287"/>
             <a:ext cx="3897702" cy="3995145"/>
           </a:xfrm>
-          <a:prstGeom prst="rect">
-            <a:avLst/>
+          <a:prstGeom prst="round2DiagRect">
+            <a:avLst>
+              <a:gd name="adj1" fmla="val 16667"/>
+              <a:gd name="adj2" fmla="val 0"/>
+            </a:avLst>
           </a:prstGeom>
-          <a:noFill/>
+          <a:ln w="88900" cap="sq">
+            <a:solidFill>
+              <a:srgbClr val="FFFFFF"/>
+            </a:solidFill>
+            <a:miter lim="800000"/>
+          </a:ln>
+          <a:effectLst>
+            <a:outerShdw blurRad="254000" algn="tl" rotWithShape="0">
+              <a:srgbClr val="000000">
+                <a:alpha val="43000"/>
+              </a:srgbClr>
+            </a:outerShdw>
+          </a:effectLst>
           <a:extLst>
             <a:ext uri="{909E8E84-426E-40DD-AFC4-6F175D3DCCD1}">
               <a14:hiddenFill xmlns:a14="http://schemas.microsoft.com/office/drawing/2010/main">
@@ -5981,6 +6001,390 @@
           <p:cNvPr id="2" name="Заголовок 1">
             <a:extLst>
               <a:ext uri="{FF2B5EF4-FFF2-40B4-BE49-F238E27FC236}">
+                <a16:creationId xmlns:a16="http://schemas.microsoft.com/office/drawing/2014/main" id="{7F3C9710-043F-CCC9-919D-B2F9EFBD9543}"/>
+              </a:ext>
+            </a:extLst>
+          </p:cNvPr>
+          <p:cNvSpPr>
+            <a:spLocks noGrp="1"/>
+          </p:cNvSpPr>
+          <p:nvPr>
+            <p:ph type="title"/>
+          </p:nvPr>
+        </p:nvSpPr>
+        <p:spPr/>
+        <p:txBody>
+          <a:bodyPr/>
+          <a:lstStyle/>
+          <a:p>
+            <a:r>
+              <a:rPr lang="ru-RU" b="1" i="0" dirty="0">
+                <a:solidFill>
+                  <a:srgbClr val="E3E3E3"/>
+                </a:solidFill>
+                <a:effectLst/>
+                <a:latin typeface="Google Sans"/>
+              </a:rPr>
+              <a:t>Основные концепции ООП</a:t>
+            </a:r>
+            <a:endParaRPr lang="ru-RU" dirty="0"/>
+          </a:p>
+        </p:txBody>
+      </p:sp>
+      <p:sp>
+        <p:nvSpPr>
+          <p:cNvPr id="3" name="Объект 2">
+            <a:extLst>
+              <a:ext uri="{FF2B5EF4-FFF2-40B4-BE49-F238E27FC236}">
+                <a16:creationId xmlns:a16="http://schemas.microsoft.com/office/drawing/2014/main" id="{1B68DB72-52FD-1904-EF23-DA4EC5F8553E}"/>
+              </a:ext>
+            </a:extLst>
+          </p:cNvPr>
+          <p:cNvSpPr>
+            <a:spLocks noGrp="1"/>
+          </p:cNvSpPr>
+          <p:nvPr>
+            <p:ph idx="1"/>
+          </p:nvPr>
+        </p:nvSpPr>
+        <p:spPr>
+          <a:xfrm>
+            <a:off x="810000" y="2455200"/>
+            <a:ext cx="5021371" cy="3636511"/>
+          </a:xfrm>
+        </p:spPr>
+        <p:txBody>
+          <a:bodyPr>
+            <a:normAutofit fontScale="85000" lnSpcReduction="20000"/>
+          </a:bodyPr>
+          <a:lstStyle/>
+          <a:p>
+            <a:pPr algn="l">
+              <a:buFont typeface="Arial" panose="020B0604020202020204" pitchFamily="34" charset="0"/>
+              <a:buChar char="•"/>
+            </a:pPr>
+            <a:r>
+              <a:rPr lang="ru-RU" b="1" i="0" dirty="0">
+                <a:solidFill>
+                  <a:srgbClr val="E3E3E3"/>
+                </a:solidFill>
+                <a:effectLst/>
+                <a:latin typeface="Google Sans"/>
+              </a:rPr>
+              <a:t>Инкапсуляция:</a:t>
+            </a:r>
+            <a:endParaRPr lang="ru-RU" b="0" i="0" dirty="0">
+              <a:solidFill>
+                <a:srgbClr val="E3E3E3"/>
+              </a:solidFill>
+              <a:effectLst/>
+              <a:latin typeface="Google Sans"/>
+            </a:endParaRPr>
+          </a:p>
+          <a:p>
+            <a:pPr marL="742950" lvl="1" indent="-285750" algn="l">
+              <a:buFont typeface="Arial" panose="020B0604020202020204" pitchFamily="34" charset="0"/>
+              <a:buChar char="•"/>
+            </a:pPr>
+            <a:r>
+              <a:rPr lang="ru-RU" b="0" i="0" dirty="0">
+                <a:solidFill>
+                  <a:srgbClr val="E3E3E3"/>
+                </a:solidFill>
+                <a:effectLst/>
+                <a:latin typeface="Google Sans"/>
+              </a:rPr>
+              <a:t>Объединение данных и методов в одном объекте.</a:t>
+            </a:r>
+          </a:p>
+          <a:p>
+            <a:pPr marL="742950" lvl="1" indent="-285750" algn="l">
+              <a:buFont typeface="Arial" panose="020B0604020202020204" pitchFamily="34" charset="0"/>
+              <a:buChar char="•"/>
+            </a:pPr>
+            <a:r>
+              <a:rPr lang="ru-RU" b="0" i="0" dirty="0">
+                <a:solidFill>
+                  <a:srgbClr val="E3E3E3"/>
+                </a:solidFill>
+                <a:effectLst/>
+                <a:latin typeface="Google Sans"/>
+              </a:rPr>
+              <a:t>Скрытие деталей реализации объекта.</a:t>
+            </a:r>
+          </a:p>
+          <a:p>
+            <a:pPr marL="742950" lvl="1" indent="-285750" algn="l">
+              <a:buFont typeface="Arial" panose="020B0604020202020204" pitchFamily="34" charset="0"/>
+              <a:buChar char="•"/>
+            </a:pPr>
+            <a:r>
+              <a:rPr lang="ru-RU" b="0" i="0" dirty="0">
+                <a:solidFill>
+                  <a:srgbClr val="E3E3E3"/>
+                </a:solidFill>
+                <a:effectLst/>
+                <a:latin typeface="Google Sans"/>
+              </a:rPr>
+              <a:t>Доступ к данным через методы.</a:t>
+            </a:r>
+          </a:p>
+          <a:p>
+            <a:pPr algn="l">
+              <a:buFont typeface="Arial" panose="020B0604020202020204" pitchFamily="34" charset="0"/>
+              <a:buChar char="•"/>
+            </a:pPr>
+            <a:r>
+              <a:rPr lang="ru-RU" b="1" i="0" dirty="0">
+                <a:solidFill>
+                  <a:srgbClr val="E3E3E3"/>
+                </a:solidFill>
+                <a:effectLst/>
+                <a:latin typeface="Google Sans"/>
+              </a:rPr>
+              <a:t>Наследование:</a:t>
+            </a:r>
+            <a:endParaRPr lang="ru-RU" b="0" i="0" dirty="0">
+              <a:solidFill>
+                <a:srgbClr val="E3E3E3"/>
+              </a:solidFill>
+              <a:effectLst/>
+              <a:latin typeface="Google Sans"/>
+            </a:endParaRPr>
+          </a:p>
+          <a:p>
+            <a:pPr marL="742950" lvl="1" indent="-285750" algn="l">
+              <a:buFont typeface="Arial" panose="020B0604020202020204" pitchFamily="34" charset="0"/>
+              <a:buChar char="•"/>
+            </a:pPr>
+            <a:r>
+              <a:rPr lang="ru-RU" b="0" i="0" dirty="0">
+                <a:solidFill>
+                  <a:srgbClr val="E3E3E3"/>
+                </a:solidFill>
+                <a:effectLst/>
+                <a:latin typeface="Google Sans"/>
+              </a:rPr>
+              <a:t>Создание новых классов на основе существующих.</a:t>
+            </a:r>
+          </a:p>
+          <a:p>
+            <a:pPr marL="742950" lvl="1" indent="-285750" algn="l">
+              <a:buFont typeface="Arial" panose="020B0604020202020204" pitchFamily="34" charset="0"/>
+              <a:buChar char="•"/>
+            </a:pPr>
+            <a:r>
+              <a:rPr lang="ru-RU" b="0" i="0" dirty="0">
+                <a:solidFill>
+                  <a:srgbClr val="E3E3E3"/>
+                </a:solidFill>
+                <a:effectLst/>
+                <a:latin typeface="Google Sans"/>
+              </a:rPr>
+              <a:t>Повторное использование кода.</a:t>
+            </a:r>
+          </a:p>
+          <a:p>
+            <a:pPr marL="742950" lvl="1" indent="-285750" algn="l">
+              <a:buFont typeface="Arial" panose="020B0604020202020204" pitchFamily="34" charset="0"/>
+              <a:buChar char="•"/>
+            </a:pPr>
+            <a:r>
+              <a:rPr lang="ru-RU" b="0" i="0" dirty="0">
+                <a:solidFill>
+                  <a:srgbClr val="E3E3E3"/>
+                </a:solidFill>
+                <a:effectLst/>
+                <a:latin typeface="Google Sans"/>
+              </a:rPr>
+              <a:t>Расширение функциональности.</a:t>
+            </a:r>
+          </a:p>
+          <a:p>
+            <a:pPr algn="l">
+              <a:buFont typeface="Arial" panose="020B0604020202020204" pitchFamily="34" charset="0"/>
+              <a:buChar char="•"/>
+            </a:pPr>
+            <a:r>
+              <a:rPr lang="ru-RU" b="1" i="0" dirty="0">
+                <a:solidFill>
+                  <a:srgbClr val="E3E3E3"/>
+                </a:solidFill>
+                <a:effectLst/>
+                <a:latin typeface="Google Sans"/>
+              </a:rPr>
+              <a:t>Полиморфизм:</a:t>
+            </a:r>
+            <a:endParaRPr lang="ru-RU" b="0" i="0" dirty="0">
+              <a:solidFill>
+                <a:srgbClr val="E3E3E3"/>
+              </a:solidFill>
+              <a:effectLst/>
+              <a:latin typeface="Google Sans"/>
+            </a:endParaRPr>
+          </a:p>
+          <a:p>
+            <a:pPr marL="742950" lvl="1" indent="-285750" algn="l">
+              <a:buFont typeface="Arial" panose="020B0604020202020204" pitchFamily="34" charset="0"/>
+              <a:buChar char="•"/>
+            </a:pPr>
+            <a:r>
+              <a:rPr lang="ru-RU" b="0" i="0" dirty="0">
+                <a:solidFill>
+                  <a:srgbClr val="E3E3E3"/>
+                </a:solidFill>
+                <a:effectLst/>
+                <a:latin typeface="Google Sans"/>
+              </a:rPr>
+              <a:t>Использование одного имени для разных действий.</a:t>
+            </a:r>
+          </a:p>
+          <a:p>
+            <a:pPr marL="742950" lvl="1" indent="-285750" algn="l">
+              <a:buFont typeface="Arial" panose="020B0604020202020204" pitchFamily="34" charset="0"/>
+              <a:buChar char="•"/>
+            </a:pPr>
+            <a:r>
+              <a:rPr lang="ru-RU" b="0" i="0" dirty="0">
+                <a:solidFill>
+                  <a:srgbClr val="E3E3E3"/>
+                </a:solidFill>
+                <a:effectLst/>
+                <a:latin typeface="Google Sans"/>
+              </a:rPr>
+              <a:t>Зависимость от типа данных.</a:t>
+            </a:r>
+          </a:p>
+          <a:p>
+            <a:pPr marL="742950" lvl="1" indent="-285750" algn="l">
+              <a:buFont typeface="Arial" panose="020B0604020202020204" pitchFamily="34" charset="0"/>
+              <a:buChar char="•"/>
+            </a:pPr>
+            <a:r>
+              <a:rPr lang="ru-RU" b="0" i="0" dirty="0">
+                <a:solidFill>
+                  <a:srgbClr val="E3E3E3"/>
+                </a:solidFill>
+                <a:effectLst/>
+                <a:latin typeface="Google Sans"/>
+              </a:rPr>
+              <a:t>Упрощение кода.</a:t>
+            </a:r>
+          </a:p>
+          <a:p>
+            <a:endParaRPr lang="ru-RU" dirty="0"/>
+          </a:p>
+        </p:txBody>
+      </p:sp>
+      <p:pic>
+        <p:nvPicPr>
+          <p:cNvPr id="4" name="Picture 2">
+            <a:extLst>
+              <a:ext uri="{FF2B5EF4-FFF2-40B4-BE49-F238E27FC236}">
+                <a16:creationId xmlns:a16="http://schemas.microsoft.com/office/drawing/2014/main" id="{6B9FBC54-58AE-0DDA-D0F1-57656CC44F25}"/>
+              </a:ext>
+            </a:extLst>
+          </p:cNvPr>
+          <p:cNvPicPr>
+            <a:picLocks noChangeAspect="1" noChangeArrowheads="1"/>
+          </p:cNvPicPr>
+          <p:nvPr/>
+        </p:nvPicPr>
+        <p:blipFill rotWithShape="1">
+          <a:blip r:embed="rId2">
+            <a:extLst>
+              <a:ext uri="{28A0092B-C50C-407E-A947-70E740481C1C}">
+                <a14:useLocalDpi xmlns:a14="http://schemas.microsoft.com/office/drawing/2010/main" val="0"/>
+              </a:ext>
+            </a:extLst>
+          </a:blip>
+          <a:srcRect l="1238" t="2858" r="2050" b="3295"/>
+          <a:stretch/>
+        </p:blipFill>
+        <p:spPr bwMode="auto">
+          <a:xfrm>
+            <a:off x="6711351" y="2423088"/>
+            <a:ext cx="5158596" cy="3700733"/>
+          </a:xfrm>
+          <a:prstGeom prst="snip2DiagRect">
+            <a:avLst/>
+          </a:prstGeom>
+          <a:solidFill>
+            <a:srgbClr val="FFFFFF">
+              <a:shade val="85000"/>
+            </a:srgbClr>
+          </a:solidFill>
+          <a:ln w="88900" cap="sq">
+            <a:solidFill>
+              <a:srgbClr val="FFFFFF"/>
+            </a:solidFill>
+            <a:miter lim="800000"/>
+          </a:ln>
+          <a:effectLst>
+            <a:outerShdw blurRad="88900" algn="tl" rotWithShape="0">
+              <a:srgbClr val="000000">
+                <a:alpha val="45000"/>
+              </a:srgbClr>
+            </a:outerShdw>
+          </a:effectLst>
+          <a:scene3d>
+            <a:camera prst="orthographicFront"/>
+            <a:lightRig rig="twoPt" dir="t">
+              <a:rot lat="0" lon="0" rev="7200000"/>
+            </a:lightRig>
+          </a:scene3d>
+          <a:sp3d>
+            <a:bevelT w="25400" h="19050"/>
+            <a:contourClr>
+              <a:srgbClr val="FFFFFF"/>
+            </a:contourClr>
+          </a:sp3d>
+          <a:extLst>
+            <a:ext uri="{909E8E84-426E-40DD-AFC4-6F175D3DCCD1}">
+              <a14:hiddenFill xmlns:a14="http://schemas.microsoft.com/office/drawing/2010/main">
+                <a:solidFill>
+                  <a:srgbClr val="FFFFFF"/>
+                </a:solidFill>
+              </a14:hiddenFill>
+            </a:ext>
+          </a:extLst>
+        </p:spPr>
+      </p:pic>
+    </p:spTree>
+    <p:extLst>
+      <p:ext uri="{BB962C8B-B14F-4D97-AF65-F5344CB8AC3E}">
+        <p14:creationId xmlns:p14="http://schemas.microsoft.com/office/powerpoint/2010/main" val="3077823003"/>
+      </p:ext>
+    </p:extLst>
+  </p:cSld>
+  <p:clrMapOvr>
+    <a:masterClrMapping/>
+  </p:clrMapOvr>
+</p:sld>
+</file>
+
+<file path=ppt/slides/slide5.xml><?xml version="1.0" encoding="utf-8"?>
+<p:sld xmlns:a="http://schemas.openxmlformats.org/drawingml/2006/main" xmlns:r="http://schemas.openxmlformats.org/officeDocument/2006/relationships" xmlns:p="http://schemas.openxmlformats.org/presentationml/2006/main">
+  <p:cSld>
+    <p:spTree>
+      <p:nvGrpSpPr>
+        <p:cNvPr id="1" name=""/>
+        <p:cNvGrpSpPr/>
+        <p:nvPr/>
+      </p:nvGrpSpPr>
+      <p:grpSpPr>
+        <a:xfrm>
+          <a:off x="0" y="0"/>
+          <a:ext cx="0" cy="0"/>
+          <a:chOff x="0" y="0"/>
+          <a:chExt cx="0" cy="0"/>
+        </a:xfrm>
+      </p:grpSpPr>
+      <p:sp>
+        <p:nvSpPr>
+          <p:cNvPr id="2" name="Заголовок 1">
+            <a:extLst>
+              <a:ext uri="{FF2B5EF4-FFF2-40B4-BE49-F238E27FC236}">
                 <a16:creationId xmlns:a16="http://schemas.microsoft.com/office/drawing/2014/main" id="{CEEA0250-32EC-5927-D2CA-2DE7E912BD06}"/>
               </a:ext>
             </a:extLst>
@@ -6240,7 +6644,7 @@
           </p:cNvPicPr>
           <p:nvPr/>
         </p:nvPicPr>
-        <p:blipFill>
+        <p:blipFill rotWithShape="1">
           <a:blip r:embed="rId2">
             <a:extLst>
               <a:ext uri="{28A0092B-C50C-407E-A947-70E740481C1C}">
@@ -6248,14 +6652,13 @@
               </a:ext>
             </a:extLst>
           </a:blip>
-          <a:stretch>
-            <a:fillRect/>
-          </a:stretch>
+          <a:srcRect t="43108"/>
+          <a:stretch/>
         </p:blipFill>
         <p:spPr>
           <a:xfrm>
-            <a:off x="6174256" y="2394816"/>
-            <a:ext cx="5354308" cy="3529676"/>
+            <a:off x="6174256" y="2570672"/>
+            <a:ext cx="5354308" cy="2008100"/>
           </a:xfrm>
           <a:prstGeom prst="rect">
             <a:avLst/>
@@ -6275,7 +6678,7 @@
 </p:sld>
 </file>
 
-<file path=ppt/slides/slide5.xml><?xml version="1.0" encoding="utf-8"?>
+<file path=ppt/slides/slide6.xml><?xml version="1.0" encoding="utf-8"?>
 <p:sld xmlns:a="http://schemas.openxmlformats.org/drawingml/2006/main" xmlns:r="http://schemas.openxmlformats.org/officeDocument/2006/relationships" xmlns:p="http://schemas.openxmlformats.org/presentationml/2006/main">
   <p:cSld>
     <p:spTree>
@@ -6516,361 +6919,6 @@
     <p:extLst>
       <p:ext uri="{BB962C8B-B14F-4D97-AF65-F5344CB8AC3E}">
         <p14:creationId xmlns:p14="http://schemas.microsoft.com/office/powerpoint/2010/main" val="4003608738"/>
-      </p:ext>
-    </p:extLst>
-  </p:cSld>
-  <p:clrMapOvr>
-    <a:masterClrMapping/>
-  </p:clrMapOvr>
-</p:sld>
-</file>
-
-<file path=ppt/slides/slide6.xml><?xml version="1.0" encoding="utf-8"?>
-<p:sld xmlns:a="http://schemas.openxmlformats.org/drawingml/2006/main" xmlns:r="http://schemas.openxmlformats.org/officeDocument/2006/relationships" xmlns:p="http://schemas.openxmlformats.org/presentationml/2006/main">
-  <p:cSld>
-    <p:spTree>
-      <p:nvGrpSpPr>
-        <p:cNvPr id="1" name=""/>
-        <p:cNvGrpSpPr/>
-        <p:nvPr/>
-      </p:nvGrpSpPr>
-      <p:grpSpPr>
-        <a:xfrm>
-          <a:off x="0" y="0"/>
-          <a:ext cx="0" cy="0"/>
-          <a:chOff x="0" y="0"/>
-          <a:chExt cx="0" cy="0"/>
-        </a:xfrm>
-      </p:grpSpPr>
-      <p:sp>
-        <p:nvSpPr>
-          <p:cNvPr id="2" name="Заголовок 1">
-            <a:extLst>
-              <a:ext uri="{FF2B5EF4-FFF2-40B4-BE49-F238E27FC236}">
-                <a16:creationId xmlns:a16="http://schemas.microsoft.com/office/drawing/2014/main" id="{7F3C9710-043F-CCC9-919D-B2F9EFBD9543}"/>
-              </a:ext>
-            </a:extLst>
-          </p:cNvPr>
-          <p:cNvSpPr>
-            <a:spLocks noGrp="1"/>
-          </p:cNvSpPr>
-          <p:nvPr>
-            <p:ph type="title"/>
-          </p:nvPr>
-        </p:nvSpPr>
-        <p:spPr/>
-        <p:txBody>
-          <a:bodyPr/>
-          <a:lstStyle/>
-          <a:p>
-            <a:r>
-              <a:rPr lang="ru-RU" b="1" i="0" dirty="0">
-                <a:solidFill>
-                  <a:srgbClr val="E3E3E3"/>
-                </a:solidFill>
-                <a:effectLst/>
-                <a:latin typeface="Google Sans"/>
-              </a:rPr>
-              <a:t>Основные концепции ООП</a:t>
-            </a:r>
-            <a:endParaRPr lang="ru-RU" dirty="0"/>
-          </a:p>
-        </p:txBody>
-      </p:sp>
-      <p:sp>
-        <p:nvSpPr>
-          <p:cNvPr id="3" name="Объект 2">
-            <a:extLst>
-              <a:ext uri="{FF2B5EF4-FFF2-40B4-BE49-F238E27FC236}">
-                <a16:creationId xmlns:a16="http://schemas.microsoft.com/office/drawing/2014/main" id="{1B68DB72-52FD-1904-EF23-DA4EC5F8553E}"/>
-              </a:ext>
-            </a:extLst>
-          </p:cNvPr>
-          <p:cNvSpPr>
-            <a:spLocks noGrp="1"/>
-          </p:cNvSpPr>
-          <p:nvPr>
-            <p:ph idx="1"/>
-          </p:nvPr>
-        </p:nvSpPr>
-        <p:spPr>
-          <a:xfrm>
-            <a:off x="810000" y="2455200"/>
-            <a:ext cx="5021371" cy="3636511"/>
-          </a:xfrm>
-        </p:spPr>
-        <p:txBody>
-          <a:bodyPr>
-            <a:normAutofit fontScale="85000" lnSpcReduction="20000"/>
-          </a:bodyPr>
-          <a:lstStyle/>
-          <a:p>
-            <a:pPr algn="l">
-              <a:buFont typeface="Arial" panose="020B0604020202020204" pitchFamily="34" charset="0"/>
-              <a:buChar char="•"/>
-            </a:pPr>
-            <a:r>
-              <a:rPr lang="ru-RU" b="1" i="0" dirty="0">
-                <a:solidFill>
-                  <a:srgbClr val="E3E3E3"/>
-                </a:solidFill>
-                <a:effectLst/>
-                <a:latin typeface="Google Sans"/>
-              </a:rPr>
-              <a:t>Инкапсуляция:</a:t>
-            </a:r>
-            <a:endParaRPr lang="ru-RU" b="0" i="0" dirty="0">
-              <a:solidFill>
-                <a:srgbClr val="E3E3E3"/>
-              </a:solidFill>
-              <a:effectLst/>
-              <a:latin typeface="Google Sans"/>
-            </a:endParaRPr>
-          </a:p>
-          <a:p>
-            <a:pPr marL="742950" lvl="1" indent="-285750" algn="l">
-              <a:buFont typeface="Arial" panose="020B0604020202020204" pitchFamily="34" charset="0"/>
-              <a:buChar char="•"/>
-            </a:pPr>
-            <a:r>
-              <a:rPr lang="ru-RU" b="0" i="0" dirty="0">
-                <a:solidFill>
-                  <a:srgbClr val="E3E3E3"/>
-                </a:solidFill>
-                <a:effectLst/>
-                <a:latin typeface="Google Sans"/>
-              </a:rPr>
-              <a:t>Объединение данных и методов в одном объекте.</a:t>
-            </a:r>
-          </a:p>
-          <a:p>
-            <a:pPr marL="742950" lvl="1" indent="-285750" algn="l">
-              <a:buFont typeface="Arial" panose="020B0604020202020204" pitchFamily="34" charset="0"/>
-              <a:buChar char="•"/>
-            </a:pPr>
-            <a:r>
-              <a:rPr lang="ru-RU" b="0" i="0" dirty="0">
-                <a:solidFill>
-                  <a:srgbClr val="E3E3E3"/>
-                </a:solidFill>
-                <a:effectLst/>
-                <a:latin typeface="Google Sans"/>
-              </a:rPr>
-              <a:t>Скрытие деталей реализации объекта.</a:t>
-            </a:r>
-          </a:p>
-          <a:p>
-            <a:pPr marL="742950" lvl="1" indent="-285750" algn="l">
-              <a:buFont typeface="Arial" panose="020B0604020202020204" pitchFamily="34" charset="0"/>
-              <a:buChar char="•"/>
-            </a:pPr>
-            <a:r>
-              <a:rPr lang="ru-RU" b="0" i="0" dirty="0">
-                <a:solidFill>
-                  <a:srgbClr val="E3E3E3"/>
-                </a:solidFill>
-                <a:effectLst/>
-                <a:latin typeface="Google Sans"/>
-              </a:rPr>
-              <a:t>Доступ к данным через методы.</a:t>
-            </a:r>
-          </a:p>
-          <a:p>
-            <a:pPr algn="l">
-              <a:buFont typeface="Arial" panose="020B0604020202020204" pitchFamily="34" charset="0"/>
-              <a:buChar char="•"/>
-            </a:pPr>
-            <a:r>
-              <a:rPr lang="ru-RU" b="1" i="0" dirty="0">
-                <a:solidFill>
-                  <a:srgbClr val="E3E3E3"/>
-                </a:solidFill>
-                <a:effectLst/>
-                <a:latin typeface="Google Sans"/>
-              </a:rPr>
-              <a:t>Наследование:</a:t>
-            </a:r>
-            <a:endParaRPr lang="ru-RU" b="0" i="0" dirty="0">
-              <a:solidFill>
-                <a:srgbClr val="E3E3E3"/>
-              </a:solidFill>
-              <a:effectLst/>
-              <a:latin typeface="Google Sans"/>
-            </a:endParaRPr>
-          </a:p>
-          <a:p>
-            <a:pPr marL="742950" lvl="1" indent="-285750" algn="l">
-              <a:buFont typeface="Arial" panose="020B0604020202020204" pitchFamily="34" charset="0"/>
-              <a:buChar char="•"/>
-            </a:pPr>
-            <a:r>
-              <a:rPr lang="ru-RU" b="0" i="0" dirty="0">
-                <a:solidFill>
-                  <a:srgbClr val="E3E3E3"/>
-                </a:solidFill>
-                <a:effectLst/>
-                <a:latin typeface="Google Sans"/>
-              </a:rPr>
-              <a:t>Создание новых классов на основе существующих.</a:t>
-            </a:r>
-          </a:p>
-          <a:p>
-            <a:pPr marL="742950" lvl="1" indent="-285750" algn="l">
-              <a:buFont typeface="Arial" panose="020B0604020202020204" pitchFamily="34" charset="0"/>
-              <a:buChar char="•"/>
-            </a:pPr>
-            <a:r>
-              <a:rPr lang="ru-RU" b="0" i="0" dirty="0">
-                <a:solidFill>
-                  <a:srgbClr val="E3E3E3"/>
-                </a:solidFill>
-                <a:effectLst/>
-                <a:latin typeface="Google Sans"/>
-              </a:rPr>
-              <a:t>Повторное использование кода.</a:t>
-            </a:r>
-          </a:p>
-          <a:p>
-            <a:pPr marL="742950" lvl="1" indent="-285750" algn="l">
-              <a:buFont typeface="Arial" panose="020B0604020202020204" pitchFamily="34" charset="0"/>
-              <a:buChar char="•"/>
-            </a:pPr>
-            <a:r>
-              <a:rPr lang="ru-RU" b="0" i="0" dirty="0">
-                <a:solidFill>
-                  <a:srgbClr val="E3E3E3"/>
-                </a:solidFill>
-                <a:effectLst/>
-                <a:latin typeface="Google Sans"/>
-              </a:rPr>
-              <a:t>Расширение функциональности.</a:t>
-            </a:r>
-          </a:p>
-          <a:p>
-            <a:pPr algn="l">
-              <a:buFont typeface="Arial" panose="020B0604020202020204" pitchFamily="34" charset="0"/>
-              <a:buChar char="•"/>
-            </a:pPr>
-            <a:r>
-              <a:rPr lang="ru-RU" b="1" i="0" dirty="0">
-                <a:solidFill>
-                  <a:srgbClr val="E3E3E3"/>
-                </a:solidFill>
-                <a:effectLst/>
-                <a:latin typeface="Google Sans"/>
-              </a:rPr>
-              <a:t>Полиморфизм:</a:t>
-            </a:r>
-            <a:endParaRPr lang="ru-RU" b="0" i="0" dirty="0">
-              <a:solidFill>
-                <a:srgbClr val="E3E3E3"/>
-              </a:solidFill>
-              <a:effectLst/>
-              <a:latin typeface="Google Sans"/>
-            </a:endParaRPr>
-          </a:p>
-          <a:p>
-            <a:pPr marL="742950" lvl="1" indent="-285750" algn="l">
-              <a:buFont typeface="Arial" panose="020B0604020202020204" pitchFamily="34" charset="0"/>
-              <a:buChar char="•"/>
-            </a:pPr>
-            <a:r>
-              <a:rPr lang="ru-RU" b="0" i="0" dirty="0">
-                <a:solidFill>
-                  <a:srgbClr val="E3E3E3"/>
-                </a:solidFill>
-                <a:effectLst/>
-                <a:latin typeface="Google Sans"/>
-              </a:rPr>
-              <a:t>Использование одного имени для разных действий.</a:t>
-            </a:r>
-          </a:p>
-          <a:p>
-            <a:pPr marL="742950" lvl="1" indent="-285750" algn="l">
-              <a:buFont typeface="Arial" panose="020B0604020202020204" pitchFamily="34" charset="0"/>
-              <a:buChar char="•"/>
-            </a:pPr>
-            <a:r>
-              <a:rPr lang="ru-RU" b="0" i="0" dirty="0">
-                <a:solidFill>
-                  <a:srgbClr val="E3E3E3"/>
-                </a:solidFill>
-                <a:effectLst/>
-                <a:latin typeface="Google Sans"/>
-              </a:rPr>
-              <a:t>Зависимость от типа данных.</a:t>
-            </a:r>
-          </a:p>
-          <a:p>
-            <a:pPr marL="742950" lvl="1" indent="-285750" algn="l">
-              <a:buFont typeface="Arial" panose="020B0604020202020204" pitchFamily="34" charset="0"/>
-              <a:buChar char="•"/>
-            </a:pPr>
-            <a:r>
-              <a:rPr lang="ru-RU" b="0" i="0" dirty="0">
-                <a:solidFill>
-                  <a:srgbClr val="E3E3E3"/>
-                </a:solidFill>
-                <a:effectLst/>
-                <a:latin typeface="Google Sans"/>
-              </a:rPr>
-              <a:t>Упрощение кода.</a:t>
-            </a:r>
-          </a:p>
-          <a:p>
-            <a:endParaRPr lang="ru-RU" dirty="0"/>
-          </a:p>
-        </p:txBody>
-      </p:sp>
-      <p:pic>
-        <p:nvPicPr>
-          <p:cNvPr id="4" name="Picture 2">
-            <a:extLst>
-              <a:ext uri="{FF2B5EF4-FFF2-40B4-BE49-F238E27FC236}">
-                <a16:creationId xmlns:a16="http://schemas.microsoft.com/office/drawing/2014/main" id="{6B9FBC54-58AE-0DDA-D0F1-57656CC44F25}"/>
-              </a:ext>
-            </a:extLst>
-          </p:cNvPr>
-          <p:cNvPicPr>
-            <a:picLocks noChangeAspect="1" noChangeArrowheads="1"/>
-          </p:cNvPicPr>
-          <p:nvPr/>
-        </p:nvPicPr>
-        <p:blipFill rotWithShape="1">
-          <a:blip r:embed="rId2">
-            <a:extLst>
-              <a:ext uri="{28A0092B-C50C-407E-A947-70E740481C1C}">
-                <a14:useLocalDpi xmlns:a14="http://schemas.microsoft.com/office/drawing/2010/main" val="0"/>
-              </a:ext>
-            </a:extLst>
-          </a:blip>
-          <a:srcRect l="1238" t="2858" r="2050" b="3295"/>
-          <a:stretch/>
-        </p:blipFill>
-        <p:spPr bwMode="auto">
-          <a:xfrm>
-            <a:off x="6478438" y="2390978"/>
-            <a:ext cx="5158596" cy="3700733"/>
-          </a:xfrm>
-          <a:prstGeom prst="rect">
-            <a:avLst/>
-          </a:prstGeom>
-          <a:noFill/>
-          <a:extLst>
-            <a:ext uri="{909E8E84-426E-40DD-AFC4-6F175D3DCCD1}">
-              <a14:hiddenFill xmlns:a14="http://schemas.microsoft.com/office/drawing/2010/main">
-                <a:solidFill>
-                  <a:srgbClr val="FFFFFF"/>
-                </a:solidFill>
-              </a14:hiddenFill>
-            </a:ext>
-          </a:extLst>
-        </p:spPr>
-      </p:pic>
-    </p:spTree>
-    <p:extLst>
-      <p:ext uri="{BB962C8B-B14F-4D97-AF65-F5344CB8AC3E}">
-        <p14:creationId xmlns:p14="http://schemas.microsoft.com/office/powerpoint/2010/main" val="3077823003"/>
       </p:ext>
     </p:extLst>
   </p:cSld>
